--- a/tutorials/2020/Robust-SKAT-Shicheng-Guo-2020-P-MCRI.pptx
+++ b/tutorials/2020/Robust-SKAT-Shicheng-Guo-2020-P-MCRI.pptx
@@ -5,7 +5,7 @@
     <p:sldMasterId id="2147483648" r:id="rId1"/>
   </p:sldMasterIdLst>
   <p:notesMasterIdLst>
-    <p:notesMasterId r:id="rId17"/>
+    <p:notesMasterId r:id="rId18"/>
   </p:notesMasterIdLst>
   <p:sldIdLst>
     <p:sldId id="257" r:id="rId2"/>
@@ -19,10 +19,11 @@
     <p:sldId id="267" r:id="rId10"/>
     <p:sldId id="268" r:id="rId11"/>
     <p:sldId id="272" r:id="rId12"/>
-    <p:sldId id="269" r:id="rId13"/>
-    <p:sldId id="270" r:id="rId14"/>
-    <p:sldId id="271" r:id="rId15"/>
-    <p:sldId id="266" r:id="rId16"/>
+    <p:sldId id="273" r:id="rId13"/>
+    <p:sldId id="269" r:id="rId14"/>
+    <p:sldId id="270" r:id="rId15"/>
+    <p:sldId id="271" r:id="rId16"/>
+    <p:sldId id="266" r:id="rId17"/>
   </p:sldIdLst>
   <p:sldSz cx="12192000" cy="6858000"/>
   <p:notesSz cx="6858000" cy="9144000"/>
@@ -1028,7 +1029,7 @@
           <a:p>
             <a:fld id="{49DBFABA-0455-4D3E-A1E6-AB7AD39E7BD3}" type="slidenum">
               <a:rPr lang="en-US" smtClean="0"/>
-              <a:t>12</a:t>
+              <a:t>13</a:t>
             </a:fld>
             <a:endParaRPr lang="en-US"/>
           </a:p>
@@ -5183,8 +5184,8 @@
         </p:nvGrpSpPr>
         <p:grpSpPr>
           <a:xfrm>
-            <a:off x="1562100" y="918736"/>
-            <a:ext cx="8334895" cy="3637433"/>
+            <a:off x="1018809" y="833011"/>
+            <a:ext cx="9725025" cy="3925499"/>
             <a:chOff x="-72577" y="899454"/>
             <a:chExt cx="8334895" cy="3637433"/>
           </a:xfrm>
@@ -5619,93 +5620,14 @@
       </p:grpSpPr>
       <p:sp>
         <p:nvSpPr>
-          <p:cNvPr id="2" name="Title 1"/>
-          <p:cNvSpPr txBox="1">
-            <a:spLocks/>
-          </p:cNvSpPr>
-          <p:nvPr/>
-        </p:nvSpPr>
-        <p:spPr>
-          <a:xfrm>
-            <a:off x="374545" y="233536"/>
-            <a:ext cx="11740376" cy="601276"/>
-          </a:xfrm>
-          <a:prstGeom prst="rect">
-            <a:avLst/>
-          </a:prstGeom>
-        </p:spPr>
-        <p:txBody>
-          <a:bodyPr/>
-          <a:lstStyle>
-            <a:lvl1pPr algn="l" defTabSz="914400" rtl="0" eaLnBrk="1" latinLnBrk="0" hangingPunct="1">
-              <a:lnSpc>
-                <a:spcPct val="90000"/>
-              </a:lnSpc>
-              <a:spcBef>
-                <a:spcPct val="0"/>
-              </a:spcBef>
-              <a:buNone/>
-              <a:defRPr sz="4400" kern="1200">
-                <a:solidFill>
-                  <a:schemeClr val="tx1"/>
-                </a:solidFill>
-                <a:latin typeface="+mj-lt"/>
-                <a:ea typeface="+mj-ea"/>
-                <a:cs typeface="+mj-cs"/>
-              </a:defRPr>
-            </a:lvl1pPr>
-          </a:lstStyle>
-          <a:p>
-            <a:r>
-              <a:rPr lang="en-US" altLang="en-US" sz="3200" b="1" dirty="0">
-                <a:latin typeface="Times New Roman" panose="02020603050405020304" pitchFamily="18" charset="0"/>
-                <a:ea typeface="+mn-ea"/>
-                <a:cs typeface="+mn-cs"/>
-              </a:rPr>
-              <a:t>Challenge: low data quality both in genotyping and phenotyping</a:t>
-            </a:r>
-            <a:endParaRPr lang="he-IL" altLang="en-US" sz="3200" b="1" dirty="0">
-              <a:latin typeface="Times New Roman" panose="02020603050405020304" pitchFamily="18" charset="0"/>
-              <a:ea typeface="+mn-ea"/>
-              <a:cs typeface="+mn-cs"/>
-            </a:endParaRPr>
-          </a:p>
-        </p:txBody>
-      </p:sp>
-      <p:pic>
-        <p:nvPicPr>
-          <p:cNvPr id="3" name="Picture 2"/>
-          <p:cNvPicPr>
-            <a:picLocks noChangeAspect="1"/>
-          </p:cNvPicPr>
-          <p:nvPr/>
-        </p:nvPicPr>
-        <p:blipFill>
-          <a:blip r:embed="rId3"/>
-          <a:stretch>
-            <a:fillRect/>
-          </a:stretch>
-        </p:blipFill>
-        <p:spPr>
-          <a:xfrm>
-            <a:off x="341977" y="1401026"/>
-            <a:ext cx="5001233" cy="2573144"/>
-          </a:xfrm>
-          <a:prstGeom prst="rect">
-            <a:avLst/>
-          </a:prstGeom>
-        </p:spPr>
-      </p:pic>
-      <p:sp>
-        <p:nvSpPr>
-          <p:cNvPr id="4" name="Rectangle 3"/>
+          <p:cNvPr id="3" name="Rectangle 2"/>
           <p:cNvSpPr/>
           <p:nvPr/>
         </p:nvSpPr>
         <p:spPr>
           <a:xfrm>
-            <a:off x="3221734" y="2881349"/>
-            <a:ext cx="1768433" cy="276999"/>
+            <a:off x="1694511" y="174105"/>
+            <a:ext cx="9191747" cy="584775"/>
           </a:xfrm>
           <a:prstGeom prst="rect">
             <a:avLst/>
@@ -5718,415 +5640,260 @@
           <a:lstStyle/>
           <a:p>
             <a:r>
-              <a:rPr lang="en-US" sz="1200" dirty="0" smtClean="0">
-                <a:solidFill>
-                  <a:srgbClr val="0070C0"/>
-                </a:solidFill>
+              <a:rPr lang="en-US" sz="3200" b="1" dirty="0" smtClean="0">
                 <a:latin typeface="Arial" panose="020B0604020202020204" pitchFamily="34" charset="0"/>
                 <a:cs typeface="Arial" panose="020B0604020202020204" pitchFamily="34" charset="0"/>
               </a:rPr>
-              <a:t>Genotyping </a:t>
-            </a:r>
-            <a:r>
-              <a:rPr lang="en-US" sz="1200" dirty="0">
-                <a:solidFill>
-                  <a:srgbClr val="0070C0"/>
-                </a:solidFill>
+              <a:t>Robust SKAT-O analyses </a:t>
+            </a:r>
+            <a:r>
+              <a:rPr lang="en-US" sz="3200" b="1" dirty="0">
                 <a:latin typeface="Arial" panose="020B0604020202020204" pitchFamily="34" charset="0"/>
                 <a:cs typeface="Arial" panose="020B0604020202020204" pitchFamily="34" charset="0"/>
               </a:rPr>
-              <a:t>calling bias</a:t>
-            </a:r>
-          </a:p>
-        </p:txBody>
-      </p:sp>
-      <p:sp>
-        <p:nvSpPr>
-          <p:cNvPr id="6" name="Rectangle 5"/>
-          <p:cNvSpPr/>
-          <p:nvPr/>
-        </p:nvSpPr>
-        <p:spPr>
-          <a:xfrm>
-            <a:off x="5940007" y="1401027"/>
-            <a:ext cx="5772772" cy="2573144"/>
-          </a:xfrm>
-          <a:prstGeom prst="rect">
-            <a:avLst/>
-          </a:prstGeom>
-          <a:noFill/>
-          <a:ln w="28575">
-            <a:solidFill>
-              <a:srgbClr val="7030A0"/>
-            </a:solidFill>
-          </a:ln>
-        </p:spPr>
-        <p:style>
-          <a:lnRef idx="2">
-            <a:schemeClr val="accent1">
-              <a:shade val="50000"/>
-            </a:schemeClr>
-          </a:lnRef>
-          <a:fillRef idx="1">
-            <a:schemeClr val="accent1"/>
-          </a:fillRef>
-          <a:effectRef idx="0">
-            <a:schemeClr val="accent1"/>
-          </a:effectRef>
-          <a:fontRef idx="minor">
-            <a:schemeClr val="lt1"/>
-          </a:fontRef>
-        </p:style>
-        <p:txBody>
-          <a:bodyPr rtlCol="0" anchor="ctr"/>
-          <a:lstStyle/>
-          <a:p>
-            <a:pPr algn="ctr"/>
-            <a:endParaRPr lang="en-US">
+              <a:t>to Multiple Sclerosis</a:t>
+            </a:r>
+            <a:endParaRPr lang="en-US" sz="3200" b="1" dirty="0">
               <a:latin typeface="Arial" panose="020B0604020202020204" pitchFamily="34" charset="0"/>
               <a:cs typeface="Arial" panose="020B0604020202020204" pitchFamily="34" charset="0"/>
             </a:endParaRPr>
           </a:p>
         </p:txBody>
       </p:sp>
-      <p:sp>
-        <p:nvSpPr>
-          <p:cNvPr id="7" name="Rounded Rectangle 6"/>
-          <p:cNvSpPr/>
+      <p:grpSp>
+        <p:nvGrpSpPr>
+          <p:cNvPr id="11" name="Group 10"/>
+          <p:cNvGrpSpPr/>
           <p:nvPr/>
-        </p:nvSpPr>
-        <p:spPr>
+        </p:nvGrpSpPr>
+        <p:grpSpPr>
           <a:xfrm>
-            <a:off x="6191118" y="1688170"/>
-            <a:ext cx="2648209" cy="758283"/>
-          </a:xfrm>
-          <a:prstGeom prst="roundRect">
-            <a:avLst/>
-          </a:prstGeom>
-        </p:spPr>
-        <p:style>
-          <a:lnRef idx="2">
-            <a:schemeClr val="accent2">
-              <a:shade val="50000"/>
-            </a:schemeClr>
-          </a:lnRef>
-          <a:fillRef idx="1">
-            <a:schemeClr val="accent2"/>
-          </a:fillRef>
-          <a:effectRef idx="0">
-            <a:schemeClr val="accent2"/>
-          </a:effectRef>
-          <a:fontRef idx="minor">
-            <a:schemeClr val="lt1"/>
-          </a:fontRef>
-        </p:style>
-        <p:txBody>
-          <a:bodyPr rtlCol="0" anchor="ctr"/>
-          <a:lstStyle/>
-          <a:p>
-            <a:pPr algn="ctr"/>
-            <a:r>
-              <a:rPr lang="en-US" dirty="0" smtClean="0">
+            <a:off x="0" y="1162050"/>
+            <a:ext cx="12192000" cy="4506797"/>
+            <a:chOff x="0" y="1323975"/>
+            <a:chExt cx="12192000" cy="4506797"/>
+          </a:xfrm>
+        </p:grpSpPr>
+        <p:pic>
+          <p:nvPicPr>
+            <p:cNvPr id="2" name="Picture 1"/>
+            <p:cNvPicPr>
+              <a:picLocks noChangeAspect="1"/>
+            </p:cNvPicPr>
+            <p:nvPr/>
+          </p:nvPicPr>
+          <p:blipFill rotWithShape="1">
+            <a:blip r:embed="rId2" cstate="print">
+              <a:extLst>
+                <a:ext uri="{28A0092B-C50C-407E-A947-70E740481C1C}">
+                  <a14:useLocalDpi xmlns:a14="http://schemas.microsoft.com/office/drawing/2010/main" val="0"/>
+                </a:ext>
+              </a:extLst>
+            </a:blip>
+            <a:srcRect t="13748"/>
+            <a:stretch/>
+          </p:blipFill>
+          <p:spPr>
+            <a:xfrm>
+              <a:off x="0" y="1323975"/>
+              <a:ext cx="12192000" cy="4506797"/>
+            </a:xfrm>
+            <a:prstGeom prst="rect">
+              <a:avLst/>
+            </a:prstGeom>
+          </p:spPr>
+        </p:pic>
+        <p:sp>
+          <p:nvSpPr>
+            <p:cNvPr id="4" name="Rectangle 3"/>
+            <p:cNvSpPr/>
+            <p:nvPr/>
+          </p:nvSpPr>
+          <p:spPr>
+            <a:xfrm>
+              <a:off x="9401487" y="1586984"/>
+              <a:ext cx="813043" cy="369332"/>
+            </a:xfrm>
+            <a:prstGeom prst="rect">
+              <a:avLst/>
+            </a:prstGeom>
+          </p:spPr>
+          <p:txBody>
+            <a:bodyPr wrap="none">
+              <a:spAutoFit/>
+            </a:bodyPr>
+            <a:lstStyle/>
+            <a:p>
+              <a:r>
+                <a:rPr lang="en-US" b="1" dirty="0" smtClean="0">
+                  <a:latin typeface="Arial" panose="020B0604020202020204" pitchFamily="34" charset="0"/>
+                  <a:cs typeface="Arial" panose="020B0604020202020204" pitchFamily="34" charset="0"/>
+                </a:rPr>
+                <a:t>UBN1</a:t>
+              </a:r>
+              <a:endParaRPr lang="en-US" b="1" dirty="0">
                 <a:latin typeface="Arial" panose="020B0604020202020204" pitchFamily="34" charset="0"/>
                 <a:cs typeface="Arial" panose="020B0604020202020204" pitchFamily="34" charset="0"/>
-              </a:rPr>
-              <a:t>Regeneron Seal Point Balinese (SPB)</a:t>
-            </a:r>
-            <a:endParaRPr lang="en-US" dirty="0">
-              <a:latin typeface="Arial" panose="020B0604020202020204" pitchFamily="34" charset="0"/>
-              <a:cs typeface="Arial" panose="020B0604020202020204" pitchFamily="34" charset="0"/>
-            </a:endParaRPr>
-          </a:p>
-        </p:txBody>
-      </p:sp>
-      <p:sp>
-        <p:nvSpPr>
-          <p:cNvPr id="8" name="Rounded Rectangle 7"/>
-          <p:cNvSpPr/>
-          <p:nvPr/>
-        </p:nvSpPr>
-        <p:spPr>
-          <a:xfrm>
-            <a:off x="6191118" y="3019848"/>
-            <a:ext cx="2648209" cy="758283"/>
-          </a:xfrm>
-          <a:prstGeom prst="roundRect">
-            <a:avLst/>
-          </a:prstGeom>
-        </p:spPr>
-        <p:style>
-          <a:lnRef idx="2">
-            <a:schemeClr val="accent1">
-              <a:shade val="50000"/>
-            </a:schemeClr>
-          </a:lnRef>
-          <a:fillRef idx="1">
-            <a:schemeClr val="accent1"/>
-          </a:fillRef>
-          <a:effectRef idx="0">
-            <a:schemeClr val="accent1"/>
-          </a:effectRef>
-          <a:fontRef idx="minor">
-            <a:schemeClr val="lt1"/>
-          </a:fontRef>
-        </p:style>
-        <p:txBody>
-          <a:bodyPr rtlCol="0" anchor="ctr"/>
-          <a:lstStyle/>
-          <a:p>
-            <a:pPr algn="ctr"/>
-            <a:r>
-              <a:rPr lang="en-US" dirty="0" smtClean="0">
-                <a:latin typeface="Arial" panose="020B0604020202020204" pitchFamily="34" charset="0"/>
-                <a:cs typeface="Arial" panose="020B0604020202020204" pitchFamily="34" charset="0"/>
-              </a:rPr>
-              <a:t>Functionally Equivalent pipeline (FE)</a:t>
-            </a:r>
-            <a:endParaRPr lang="en-US" dirty="0">
-              <a:latin typeface="Arial" panose="020B0604020202020204" pitchFamily="34" charset="0"/>
-              <a:cs typeface="Arial" panose="020B0604020202020204" pitchFamily="34" charset="0"/>
-            </a:endParaRPr>
-          </a:p>
-        </p:txBody>
-      </p:sp>
-      <p:sp>
-        <p:nvSpPr>
-          <p:cNvPr id="9" name="Right Arrow 8"/>
-          <p:cNvSpPr/>
-          <p:nvPr/>
-        </p:nvSpPr>
-        <p:spPr>
-          <a:xfrm>
-            <a:off x="8996796" y="3044240"/>
-            <a:ext cx="211110" cy="709497"/>
-          </a:xfrm>
-          <a:prstGeom prst="rightArrow">
-            <a:avLst/>
-          </a:prstGeom>
-          <a:solidFill>
-            <a:srgbClr val="7030A0"/>
-          </a:solidFill>
-        </p:spPr>
-        <p:style>
-          <a:lnRef idx="2">
-            <a:schemeClr val="accent6">
-              <a:shade val="50000"/>
-            </a:schemeClr>
-          </a:lnRef>
-          <a:fillRef idx="1">
-            <a:schemeClr val="accent6"/>
-          </a:fillRef>
-          <a:effectRef idx="0">
-            <a:schemeClr val="accent6"/>
-          </a:effectRef>
-          <a:fontRef idx="minor">
-            <a:schemeClr val="lt1"/>
-          </a:fontRef>
-        </p:style>
-        <p:txBody>
-          <a:bodyPr rtlCol="0" anchor="ctr"/>
-          <a:lstStyle/>
-          <a:p>
-            <a:pPr algn="ctr"/>
-            <a:endParaRPr lang="en-US">
-              <a:latin typeface="Arial" panose="020B0604020202020204" pitchFamily="34" charset="0"/>
-              <a:cs typeface="Arial" panose="020B0604020202020204" pitchFamily="34" charset="0"/>
-            </a:endParaRPr>
-          </a:p>
-        </p:txBody>
-      </p:sp>
-      <p:sp>
-        <p:nvSpPr>
-          <p:cNvPr id="11" name="TextBox 10"/>
-          <p:cNvSpPr txBox="1"/>
-          <p:nvPr/>
-        </p:nvSpPr>
-        <p:spPr>
-          <a:xfrm>
-            <a:off x="9330823" y="3384405"/>
-            <a:ext cx="2287806" cy="369332"/>
-          </a:xfrm>
-          <a:prstGeom prst="rect">
-            <a:avLst/>
-          </a:prstGeom>
-          <a:noFill/>
-        </p:spPr>
-        <p:txBody>
-          <a:bodyPr wrap="none" rtlCol="0">
-            <a:spAutoFit/>
-          </a:bodyPr>
-          <a:lstStyle/>
-          <a:p>
-            <a:r>
-              <a:rPr lang="en-US" dirty="0" smtClean="0">
-                <a:latin typeface="Arial" panose="020B0604020202020204" pitchFamily="34" charset="0"/>
-                <a:cs typeface="Arial" panose="020B0604020202020204" pitchFamily="34" charset="0"/>
-              </a:rPr>
-              <a:t>Retracted or update </a:t>
-            </a:r>
-            <a:endParaRPr lang="en-US" dirty="0">
-              <a:latin typeface="Arial" panose="020B0604020202020204" pitchFamily="34" charset="0"/>
-              <a:cs typeface="Arial" panose="020B0604020202020204" pitchFamily="34" charset="0"/>
-            </a:endParaRPr>
-          </a:p>
-        </p:txBody>
-      </p:sp>
-      <p:sp>
-        <p:nvSpPr>
-          <p:cNvPr id="12" name="TextBox 11"/>
-          <p:cNvSpPr txBox="1"/>
-          <p:nvPr/>
-        </p:nvSpPr>
-        <p:spPr>
-          <a:xfrm>
-            <a:off x="9296528" y="1882644"/>
-            <a:ext cx="2435282" cy="369332"/>
-          </a:xfrm>
-          <a:prstGeom prst="rect">
-            <a:avLst/>
-          </a:prstGeom>
-          <a:noFill/>
-        </p:spPr>
-        <p:txBody>
-          <a:bodyPr wrap="none" rtlCol="0">
-            <a:spAutoFit/>
-          </a:bodyPr>
-          <a:lstStyle/>
-          <a:p>
-            <a:r>
-              <a:rPr lang="en-US" dirty="0" smtClean="0">
-                <a:latin typeface="Arial" panose="020B0604020202020204" pitchFamily="34" charset="0"/>
-                <a:cs typeface="Arial" panose="020B0604020202020204" pitchFamily="34" charset="0"/>
-              </a:rPr>
-              <a:t>Retracted ~ July 2019</a:t>
-            </a:r>
-            <a:endParaRPr lang="en-US" dirty="0">
-              <a:latin typeface="Arial" panose="020B0604020202020204" pitchFamily="34" charset="0"/>
-              <a:cs typeface="Arial" panose="020B0604020202020204" pitchFamily="34" charset="0"/>
-            </a:endParaRPr>
-          </a:p>
-        </p:txBody>
-      </p:sp>
-      <p:sp>
-        <p:nvSpPr>
-          <p:cNvPr id="13" name="Right Arrow 12"/>
-          <p:cNvSpPr/>
-          <p:nvPr/>
-        </p:nvSpPr>
-        <p:spPr>
-          <a:xfrm>
-            <a:off x="8996796" y="1712561"/>
-            <a:ext cx="211110" cy="709497"/>
-          </a:xfrm>
-          <a:prstGeom prst="rightArrow">
-            <a:avLst/>
-          </a:prstGeom>
-          <a:solidFill>
-            <a:srgbClr val="7030A0"/>
-          </a:solidFill>
-        </p:spPr>
-        <p:style>
-          <a:lnRef idx="2">
-            <a:schemeClr val="accent6">
-              <a:shade val="50000"/>
-            </a:schemeClr>
-          </a:lnRef>
-          <a:fillRef idx="1">
-            <a:schemeClr val="accent6"/>
-          </a:fillRef>
-          <a:effectRef idx="0">
-            <a:schemeClr val="accent6"/>
-          </a:effectRef>
-          <a:fontRef idx="minor">
-            <a:schemeClr val="lt1"/>
-          </a:fontRef>
-        </p:style>
-        <p:txBody>
-          <a:bodyPr rtlCol="0" anchor="ctr"/>
-          <a:lstStyle/>
-          <a:p>
-            <a:pPr algn="ctr"/>
-            <a:endParaRPr lang="en-US">
-              <a:latin typeface="Arial" panose="020B0604020202020204" pitchFamily="34" charset="0"/>
-              <a:cs typeface="Arial" panose="020B0604020202020204" pitchFamily="34" charset="0"/>
-            </a:endParaRPr>
-          </a:p>
-        </p:txBody>
-      </p:sp>
-      <p:sp>
-        <p:nvSpPr>
-          <p:cNvPr id="21" name="TextBox 20"/>
-          <p:cNvSpPr txBox="1"/>
-          <p:nvPr/>
-        </p:nvSpPr>
-        <p:spPr>
-          <a:xfrm>
-            <a:off x="9257992" y="2928407"/>
-            <a:ext cx="2326342" cy="369332"/>
-          </a:xfrm>
-          <a:prstGeom prst="rect">
-            <a:avLst/>
-          </a:prstGeom>
-          <a:noFill/>
-        </p:spPr>
-        <p:txBody>
-          <a:bodyPr wrap="none" rtlCol="0">
-            <a:spAutoFit/>
-          </a:bodyPr>
-          <a:lstStyle/>
-          <a:p>
-            <a:r>
-              <a:rPr lang="en-US" dirty="0" smtClean="0">
-                <a:latin typeface="Arial" panose="020B0604020202020204" pitchFamily="34" charset="0"/>
-                <a:cs typeface="Arial" panose="020B0604020202020204" pitchFamily="34" charset="0"/>
-              </a:rPr>
-              <a:t>10</a:t>
-            </a:r>
-            <a:r>
-              <a:rPr lang="en-US" baseline="30000" dirty="0" smtClean="0">
-                <a:latin typeface="Arial" panose="020B0604020202020204" pitchFamily="34" charset="0"/>
-                <a:cs typeface="Arial" panose="020B0604020202020204" pitchFamily="34" charset="0"/>
-              </a:rPr>
-              <a:t>th</a:t>
-            </a:r>
-            <a:r>
-              <a:rPr lang="en-US" dirty="0" smtClean="0">
-                <a:latin typeface="Arial" panose="020B0604020202020204" pitchFamily="34" charset="0"/>
-                <a:cs typeface="Arial" panose="020B0604020202020204" pitchFamily="34" charset="0"/>
-              </a:rPr>
-              <a:t> December, 2019</a:t>
-            </a:r>
-            <a:endParaRPr lang="en-US" dirty="0">
-              <a:latin typeface="Arial" panose="020B0604020202020204" pitchFamily="34" charset="0"/>
-              <a:cs typeface="Arial" panose="020B0604020202020204" pitchFamily="34" charset="0"/>
-            </a:endParaRPr>
-          </a:p>
-        </p:txBody>
-      </p:sp>
-      <p:pic>
-        <p:nvPicPr>
-          <p:cNvPr id="5" name="Picture 4"/>
-          <p:cNvPicPr>
-            <a:picLocks noChangeAspect="1"/>
-          </p:cNvPicPr>
-          <p:nvPr/>
-        </p:nvPicPr>
-        <p:blipFill>
-          <a:blip r:embed="rId4"/>
-          <a:stretch>
-            <a:fillRect/>
-          </a:stretch>
-        </p:blipFill>
-        <p:spPr>
-          <a:xfrm>
-            <a:off x="341977" y="4461667"/>
-            <a:ext cx="5520951" cy="1985651"/>
-          </a:xfrm>
-          <a:prstGeom prst="rect">
-            <a:avLst/>
-          </a:prstGeom>
-        </p:spPr>
-      </p:pic>
+              </a:endParaRPr>
+            </a:p>
+          </p:txBody>
+        </p:sp>
+        <p:sp>
+          <p:nvSpPr>
+            <p:cNvPr id="5" name="Rectangle 4"/>
+            <p:cNvSpPr/>
+            <p:nvPr/>
+          </p:nvSpPr>
+          <p:spPr>
+            <a:xfrm>
+              <a:off x="7998267" y="1806450"/>
+              <a:ext cx="838691" cy="369332"/>
+            </a:xfrm>
+            <a:prstGeom prst="rect">
+              <a:avLst/>
+            </a:prstGeom>
+          </p:spPr>
+          <p:txBody>
+            <a:bodyPr wrap="none">
+              <a:spAutoFit/>
+            </a:bodyPr>
+            <a:lstStyle/>
+            <a:p>
+              <a:r>
+                <a:rPr lang="en-US" b="1" dirty="0">
+                  <a:latin typeface="Arial" panose="020B0604020202020204" pitchFamily="34" charset="0"/>
+                  <a:cs typeface="Arial" panose="020B0604020202020204" pitchFamily="34" charset="0"/>
+                </a:rPr>
+                <a:t>BRAP</a:t>
+              </a:r>
+            </a:p>
+          </p:txBody>
+        </p:sp>
+        <p:sp>
+          <p:nvSpPr>
+            <p:cNvPr id="6" name="Rectangle 5"/>
+            <p:cNvSpPr/>
+            <p:nvPr/>
+          </p:nvSpPr>
+          <p:spPr>
+            <a:xfrm>
+              <a:off x="7044160" y="2131475"/>
+              <a:ext cx="954107" cy="369332"/>
+            </a:xfrm>
+            <a:prstGeom prst="rect">
+              <a:avLst/>
+            </a:prstGeom>
+          </p:spPr>
+          <p:txBody>
+            <a:bodyPr wrap="none">
+              <a:spAutoFit/>
+            </a:bodyPr>
+            <a:lstStyle/>
+            <a:p>
+              <a:r>
+                <a:rPr lang="en-US" b="1" dirty="0">
+                  <a:latin typeface="Arial" panose="020B0604020202020204" pitchFamily="34" charset="0"/>
+                  <a:cs typeface="Arial" panose="020B0604020202020204" pitchFamily="34" charset="0"/>
+                </a:rPr>
+                <a:t>HEBP1</a:t>
+              </a:r>
+            </a:p>
+          </p:txBody>
+        </p:sp>
+        <p:sp>
+          <p:nvSpPr>
+            <p:cNvPr id="7" name="Rectangle 6"/>
+            <p:cNvSpPr/>
+            <p:nvPr/>
+          </p:nvSpPr>
+          <p:spPr>
+            <a:xfrm>
+              <a:off x="3430114" y="2028825"/>
+              <a:ext cx="813043" cy="369332"/>
+            </a:xfrm>
+            <a:prstGeom prst="rect">
+              <a:avLst/>
+            </a:prstGeom>
+          </p:spPr>
+          <p:txBody>
+            <a:bodyPr wrap="none">
+              <a:spAutoFit/>
+            </a:bodyPr>
+            <a:lstStyle/>
+            <a:p>
+              <a:r>
+                <a:rPr lang="en-US" b="1" dirty="0">
+                  <a:latin typeface="Arial" panose="020B0604020202020204" pitchFamily="34" charset="0"/>
+                  <a:cs typeface="Arial" panose="020B0604020202020204" pitchFamily="34" charset="0"/>
+                </a:rPr>
+                <a:t>ADH6</a:t>
+              </a:r>
+            </a:p>
+          </p:txBody>
+        </p:sp>
+        <p:sp>
+          <p:nvSpPr>
+            <p:cNvPr id="8" name="Rectangle 7"/>
+            <p:cNvSpPr/>
+            <p:nvPr/>
+          </p:nvSpPr>
+          <p:spPr>
+            <a:xfrm>
+              <a:off x="5161572" y="2152659"/>
+              <a:ext cx="902811" cy="369332"/>
+            </a:xfrm>
+            <a:prstGeom prst="rect">
+              <a:avLst/>
+            </a:prstGeom>
+          </p:spPr>
+          <p:txBody>
+            <a:bodyPr wrap="none">
+              <a:spAutoFit/>
+            </a:bodyPr>
+            <a:lstStyle/>
+            <a:p>
+              <a:r>
+                <a:rPr lang="en-US" b="1" dirty="0">
+                  <a:latin typeface="Arial" panose="020B0604020202020204" pitchFamily="34" charset="0"/>
+                  <a:cs typeface="Arial" panose="020B0604020202020204" pitchFamily="34" charset="0"/>
+                </a:rPr>
+                <a:t>TBX20</a:t>
+              </a:r>
+            </a:p>
+          </p:txBody>
+        </p:sp>
+        <p:sp>
+          <p:nvSpPr>
+            <p:cNvPr id="9" name="Rectangle 8"/>
+            <p:cNvSpPr/>
+            <p:nvPr/>
+          </p:nvSpPr>
+          <p:spPr>
+            <a:xfrm>
+              <a:off x="10886258" y="2213491"/>
+              <a:ext cx="1125308" cy="369332"/>
+            </a:xfrm>
+            <a:prstGeom prst="rect">
+              <a:avLst/>
+            </a:prstGeom>
+          </p:spPr>
+          <p:txBody>
+            <a:bodyPr wrap="none">
+              <a:spAutoFit/>
+            </a:bodyPr>
+            <a:lstStyle/>
+            <a:p>
+              <a:r>
+                <a:rPr lang="en-US" b="1" dirty="0">
+                  <a:latin typeface="Arial" panose="020B0604020202020204" pitchFamily="34" charset="0"/>
+                  <a:cs typeface="Arial" panose="020B0604020202020204" pitchFamily="34" charset="0"/>
+                </a:rPr>
+                <a:t>RIPPLY3</a:t>
+              </a:r>
+            </a:p>
+          </p:txBody>
+        </p:sp>
+      </p:grpSp>
       <p:sp>
         <p:nvSpPr>
           <p:cNvPr id="10" name="Rectangle 9"/>
@@ -6135,8 +5902,8 @@
         </p:nvSpPr>
         <p:spPr>
           <a:xfrm>
-            <a:off x="5862928" y="4761994"/>
-            <a:ext cx="6251993" cy="1384995"/>
+            <a:off x="390526" y="5668847"/>
+            <a:ext cx="12039600" cy="969496"/>
           </a:xfrm>
           <a:prstGeom prst="rect">
             <a:avLst/>
@@ -6148,62 +5915,90 @@
           </a:bodyPr>
           <a:lstStyle/>
           <a:p>
-            <a:pPr algn="ctr"/>
-            <a:r>
-              <a:rPr lang="en-US" sz="2800" dirty="0">
+            <a:r>
+              <a:rPr lang="en-US" sz="1900" b="1" dirty="0" smtClean="0">
                 <a:latin typeface="Arial" panose="020B0604020202020204" pitchFamily="34" charset="0"/>
                 <a:cs typeface="Arial" panose="020B0604020202020204" pitchFamily="34" charset="0"/>
               </a:rPr>
-              <a:t>Technique quality control, negative and positive control </a:t>
-            </a:r>
-          </a:p>
-          <a:p>
-            <a:pPr algn="ctr"/>
-            <a:r>
-              <a:rPr lang="en-US" sz="2800" dirty="0">
+              <a:t>UBN1: acts </a:t>
+            </a:r>
+            <a:r>
+              <a:rPr lang="en-US" sz="1900" b="1" dirty="0">
                 <a:latin typeface="Arial" panose="020B0604020202020204" pitchFamily="34" charset="0"/>
                 <a:cs typeface="Arial" panose="020B0604020202020204" pitchFamily="34" charset="0"/>
               </a:rPr>
-              <a:t>should be set as much as possible</a:t>
-            </a:r>
-          </a:p>
-        </p:txBody>
-      </p:sp>
-      <p:sp>
-        <p:nvSpPr>
-          <p:cNvPr id="15" name="Rectangle 14"/>
+              <a:t>as a novel regulator of senescence. Involved in the formation of </a:t>
+            </a:r>
+            <a:r>
+              <a:rPr lang="en-US" sz="1900" b="1" dirty="0" smtClean="0">
+                <a:latin typeface="Arial" panose="020B0604020202020204" pitchFamily="34" charset="0"/>
+                <a:cs typeface="Arial" panose="020B0604020202020204" pitchFamily="34" charset="0"/>
+              </a:rPr>
+              <a:t>senescence-associated heterochromatin foci, </a:t>
+            </a:r>
+            <a:r>
+              <a:rPr lang="en-US" sz="1900" b="1" dirty="0">
+                <a:latin typeface="Arial" panose="020B0604020202020204" pitchFamily="34" charset="0"/>
+                <a:cs typeface="Arial" panose="020B0604020202020204" pitchFamily="34" charset="0"/>
+              </a:rPr>
+              <a:t>which represses expression of proliferation-promoting genes. Binds </a:t>
+            </a:r>
+            <a:r>
+              <a:rPr lang="en-US" sz="1900" b="1" dirty="0" smtClean="0">
+                <a:latin typeface="Arial" panose="020B0604020202020204" pitchFamily="34" charset="0"/>
+                <a:cs typeface="Arial" panose="020B0604020202020204" pitchFamily="34" charset="0"/>
+              </a:rPr>
+              <a:t>to proliferation-promoting </a:t>
+            </a:r>
+            <a:r>
+              <a:rPr lang="en-US" sz="1900" b="1" dirty="0">
+                <a:latin typeface="Arial" panose="020B0604020202020204" pitchFamily="34" charset="0"/>
+                <a:cs typeface="Arial" panose="020B0604020202020204" pitchFamily="34" charset="0"/>
+              </a:rPr>
+              <a:t>genes. May be required for replication-independent chromatin assembly</a:t>
+            </a:r>
+            <a:endParaRPr lang="en-US" sz="1900" b="1" dirty="0">
+              <a:latin typeface="Arial" panose="020B0604020202020204" pitchFamily="34" charset="0"/>
+              <a:cs typeface="Arial" panose="020B0604020202020204" pitchFamily="34" charset="0"/>
+            </a:endParaRPr>
+          </a:p>
+        </p:txBody>
+      </p:sp>
+      <p:sp>
+        <p:nvSpPr>
+          <p:cNvPr id="12" name="Rectangle 11"/>
           <p:cNvSpPr/>
           <p:nvPr/>
         </p:nvSpPr>
         <p:spPr>
           <a:xfrm>
-            <a:off x="6089910" y="4301899"/>
-            <a:ext cx="5813772" cy="307777"/>
+            <a:off x="1086684" y="2175400"/>
+            <a:ext cx="928459" cy="369332"/>
           </a:xfrm>
           <a:prstGeom prst="rect">
             <a:avLst/>
           </a:prstGeom>
         </p:spPr>
         <p:txBody>
-          <a:bodyPr wrap="square">
+          <a:bodyPr wrap="none">
             <a:spAutoFit/>
           </a:bodyPr>
           <a:lstStyle/>
           <a:p>
             <a:r>
-              <a:rPr lang="en-US" sz="1400" dirty="0">
-                <a:hlinkClick r:id="rId5"/>
-              </a:rPr>
-              <a:t>https://www.biorxiv.org/content/biorxiv/early/2019/12/10/868570.full.pdf</a:t>
-            </a:r>
-            <a:endParaRPr lang="en-US" sz="1400" dirty="0"/>
+              <a:rPr lang="en-US" b="1" dirty="0">
+                <a:latin typeface="Arial" panose="020B0604020202020204" pitchFamily="34" charset="0"/>
+                <a:cs typeface="Arial" panose="020B0604020202020204" pitchFamily="34" charset="0"/>
+              </a:rPr>
+              <a:t>CYR61</a:t>
+            </a:r>
           </a:p>
         </p:txBody>
       </p:sp>
     </p:spTree>
     <p:extLst>
       <p:ext uri="{BB962C8B-B14F-4D97-AF65-F5344CB8AC3E}">
-        <p14:creationId xmlns:p14="http://schemas.microsoft.com/office/powerpoint/2010/main" val="2866679351"/>
+        <p14:creationId xmlns:p14="http://schemas.microsoft.com/office/powerpoint/2010/main" val="3121728559"/>
       </p:ext>
     </p:extLst>
   </p:cSld>
@@ -6232,6 +6027,619 @@
       </p:grpSpPr>
       <p:sp>
         <p:nvSpPr>
+          <p:cNvPr id="2" name="Title 1"/>
+          <p:cNvSpPr txBox="1">
+            <a:spLocks/>
+          </p:cNvSpPr>
+          <p:nvPr/>
+        </p:nvSpPr>
+        <p:spPr>
+          <a:xfrm>
+            <a:off x="374545" y="233536"/>
+            <a:ext cx="11740376" cy="601276"/>
+          </a:xfrm>
+          <a:prstGeom prst="rect">
+            <a:avLst/>
+          </a:prstGeom>
+        </p:spPr>
+        <p:txBody>
+          <a:bodyPr/>
+          <a:lstStyle>
+            <a:lvl1pPr algn="l" defTabSz="914400" rtl="0" eaLnBrk="1" latinLnBrk="0" hangingPunct="1">
+              <a:lnSpc>
+                <a:spcPct val="90000"/>
+              </a:lnSpc>
+              <a:spcBef>
+                <a:spcPct val="0"/>
+              </a:spcBef>
+              <a:buNone/>
+              <a:defRPr sz="4400" kern="1200">
+                <a:solidFill>
+                  <a:schemeClr val="tx1"/>
+                </a:solidFill>
+                <a:latin typeface="+mj-lt"/>
+                <a:ea typeface="+mj-ea"/>
+                <a:cs typeface="+mj-cs"/>
+              </a:defRPr>
+            </a:lvl1pPr>
+          </a:lstStyle>
+          <a:p>
+            <a:r>
+              <a:rPr lang="en-US" altLang="en-US" sz="3200" b="1" dirty="0">
+                <a:latin typeface="Times New Roman" panose="02020603050405020304" pitchFamily="18" charset="0"/>
+                <a:ea typeface="+mn-ea"/>
+                <a:cs typeface="+mn-cs"/>
+              </a:rPr>
+              <a:t>Challenge: low data quality both in genotyping and phenotyping</a:t>
+            </a:r>
+            <a:endParaRPr lang="he-IL" altLang="en-US" sz="3200" b="1" dirty="0">
+              <a:latin typeface="Times New Roman" panose="02020603050405020304" pitchFamily="18" charset="0"/>
+              <a:ea typeface="+mn-ea"/>
+              <a:cs typeface="+mn-cs"/>
+            </a:endParaRPr>
+          </a:p>
+        </p:txBody>
+      </p:sp>
+      <p:pic>
+        <p:nvPicPr>
+          <p:cNvPr id="3" name="Picture 2"/>
+          <p:cNvPicPr>
+            <a:picLocks noChangeAspect="1"/>
+          </p:cNvPicPr>
+          <p:nvPr/>
+        </p:nvPicPr>
+        <p:blipFill>
+          <a:blip r:embed="rId3"/>
+          <a:stretch>
+            <a:fillRect/>
+          </a:stretch>
+        </p:blipFill>
+        <p:spPr>
+          <a:xfrm>
+            <a:off x="341977" y="1401026"/>
+            <a:ext cx="5001233" cy="2573144"/>
+          </a:xfrm>
+          <a:prstGeom prst="rect">
+            <a:avLst/>
+          </a:prstGeom>
+        </p:spPr>
+      </p:pic>
+      <p:sp>
+        <p:nvSpPr>
+          <p:cNvPr id="4" name="Rectangle 3"/>
+          <p:cNvSpPr/>
+          <p:nvPr/>
+        </p:nvSpPr>
+        <p:spPr>
+          <a:xfrm>
+            <a:off x="3221734" y="2881349"/>
+            <a:ext cx="1768433" cy="276999"/>
+          </a:xfrm>
+          <a:prstGeom prst="rect">
+            <a:avLst/>
+          </a:prstGeom>
+        </p:spPr>
+        <p:txBody>
+          <a:bodyPr wrap="none">
+            <a:spAutoFit/>
+          </a:bodyPr>
+          <a:lstStyle/>
+          <a:p>
+            <a:r>
+              <a:rPr lang="en-US" sz="1200" dirty="0" smtClean="0">
+                <a:solidFill>
+                  <a:srgbClr val="0070C0"/>
+                </a:solidFill>
+                <a:latin typeface="Arial" panose="020B0604020202020204" pitchFamily="34" charset="0"/>
+                <a:cs typeface="Arial" panose="020B0604020202020204" pitchFamily="34" charset="0"/>
+              </a:rPr>
+              <a:t>Genotyping </a:t>
+            </a:r>
+            <a:r>
+              <a:rPr lang="en-US" sz="1200" dirty="0">
+                <a:solidFill>
+                  <a:srgbClr val="0070C0"/>
+                </a:solidFill>
+                <a:latin typeface="Arial" panose="020B0604020202020204" pitchFamily="34" charset="0"/>
+                <a:cs typeface="Arial" panose="020B0604020202020204" pitchFamily="34" charset="0"/>
+              </a:rPr>
+              <a:t>calling bias</a:t>
+            </a:r>
+          </a:p>
+        </p:txBody>
+      </p:sp>
+      <p:sp>
+        <p:nvSpPr>
+          <p:cNvPr id="6" name="Rectangle 5"/>
+          <p:cNvSpPr/>
+          <p:nvPr/>
+        </p:nvSpPr>
+        <p:spPr>
+          <a:xfrm>
+            <a:off x="5940007" y="1401027"/>
+            <a:ext cx="5772772" cy="2573144"/>
+          </a:xfrm>
+          <a:prstGeom prst="rect">
+            <a:avLst/>
+          </a:prstGeom>
+          <a:noFill/>
+          <a:ln w="28575">
+            <a:solidFill>
+              <a:srgbClr val="7030A0"/>
+            </a:solidFill>
+          </a:ln>
+        </p:spPr>
+        <p:style>
+          <a:lnRef idx="2">
+            <a:schemeClr val="accent1">
+              <a:shade val="50000"/>
+            </a:schemeClr>
+          </a:lnRef>
+          <a:fillRef idx="1">
+            <a:schemeClr val="accent1"/>
+          </a:fillRef>
+          <a:effectRef idx="0">
+            <a:schemeClr val="accent1"/>
+          </a:effectRef>
+          <a:fontRef idx="minor">
+            <a:schemeClr val="lt1"/>
+          </a:fontRef>
+        </p:style>
+        <p:txBody>
+          <a:bodyPr rtlCol="0" anchor="ctr"/>
+          <a:lstStyle/>
+          <a:p>
+            <a:pPr algn="ctr"/>
+            <a:endParaRPr lang="en-US">
+              <a:latin typeface="Arial" panose="020B0604020202020204" pitchFamily="34" charset="0"/>
+              <a:cs typeface="Arial" panose="020B0604020202020204" pitchFamily="34" charset="0"/>
+            </a:endParaRPr>
+          </a:p>
+        </p:txBody>
+      </p:sp>
+      <p:sp>
+        <p:nvSpPr>
+          <p:cNvPr id="7" name="Rounded Rectangle 6"/>
+          <p:cNvSpPr/>
+          <p:nvPr/>
+        </p:nvSpPr>
+        <p:spPr>
+          <a:xfrm>
+            <a:off x="6191118" y="1688170"/>
+            <a:ext cx="2648209" cy="758283"/>
+          </a:xfrm>
+          <a:prstGeom prst="roundRect">
+            <a:avLst/>
+          </a:prstGeom>
+        </p:spPr>
+        <p:style>
+          <a:lnRef idx="2">
+            <a:schemeClr val="accent2">
+              <a:shade val="50000"/>
+            </a:schemeClr>
+          </a:lnRef>
+          <a:fillRef idx="1">
+            <a:schemeClr val="accent2"/>
+          </a:fillRef>
+          <a:effectRef idx="0">
+            <a:schemeClr val="accent2"/>
+          </a:effectRef>
+          <a:fontRef idx="minor">
+            <a:schemeClr val="lt1"/>
+          </a:fontRef>
+        </p:style>
+        <p:txBody>
+          <a:bodyPr rtlCol="0" anchor="ctr"/>
+          <a:lstStyle/>
+          <a:p>
+            <a:pPr algn="ctr"/>
+            <a:r>
+              <a:rPr lang="en-US" dirty="0" smtClean="0">
+                <a:latin typeface="Arial" panose="020B0604020202020204" pitchFamily="34" charset="0"/>
+                <a:cs typeface="Arial" panose="020B0604020202020204" pitchFamily="34" charset="0"/>
+              </a:rPr>
+              <a:t>Regeneron Seal Point Balinese (SPB)</a:t>
+            </a:r>
+            <a:endParaRPr lang="en-US" dirty="0">
+              <a:latin typeface="Arial" panose="020B0604020202020204" pitchFamily="34" charset="0"/>
+              <a:cs typeface="Arial" panose="020B0604020202020204" pitchFamily="34" charset="0"/>
+            </a:endParaRPr>
+          </a:p>
+        </p:txBody>
+      </p:sp>
+      <p:sp>
+        <p:nvSpPr>
+          <p:cNvPr id="8" name="Rounded Rectangle 7"/>
+          <p:cNvSpPr/>
+          <p:nvPr/>
+        </p:nvSpPr>
+        <p:spPr>
+          <a:xfrm>
+            <a:off x="6191118" y="3019848"/>
+            <a:ext cx="2648209" cy="758283"/>
+          </a:xfrm>
+          <a:prstGeom prst="roundRect">
+            <a:avLst/>
+          </a:prstGeom>
+        </p:spPr>
+        <p:style>
+          <a:lnRef idx="2">
+            <a:schemeClr val="accent1">
+              <a:shade val="50000"/>
+            </a:schemeClr>
+          </a:lnRef>
+          <a:fillRef idx="1">
+            <a:schemeClr val="accent1"/>
+          </a:fillRef>
+          <a:effectRef idx="0">
+            <a:schemeClr val="accent1"/>
+          </a:effectRef>
+          <a:fontRef idx="minor">
+            <a:schemeClr val="lt1"/>
+          </a:fontRef>
+        </p:style>
+        <p:txBody>
+          <a:bodyPr rtlCol="0" anchor="ctr"/>
+          <a:lstStyle/>
+          <a:p>
+            <a:pPr algn="ctr"/>
+            <a:r>
+              <a:rPr lang="en-US" dirty="0" smtClean="0">
+                <a:latin typeface="Arial" panose="020B0604020202020204" pitchFamily="34" charset="0"/>
+                <a:cs typeface="Arial" panose="020B0604020202020204" pitchFamily="34" charset="0"/>
+              </a:rPr>
+              <a:t>Functionally Equivalent pipeline (FE)</a:t>
+            </a:r>
+            <a:endParaRPr lang="en-US" dirty="0">
+              <a:latin typeface="Arial" panose="020B0604020202020204" pitchFamily="34" charset="0"/>
+              <a:cs typeface="Arial" panose="020B0604020202020204" pitchFamily="34" charset="0"/>
+            </a:endParaRPr>
+          </a:p>
+        </p:txBody>
+      </p:sp>
+      <p:sp>
+        <p:nvSpPr>
+          <p:cNvPr id="9" name="Right Arrow 8"/>
+          <p:cNvSpPr/>
+          <p:nvPr/>
+        </p:nvSpPr>
+        <p:spPr>
+          <a:xfrm>
+            <a:off x="8996796" y="3044240"/>
+            <a:ext cx="211110" cy="709497"/>
+          </a:xfrm>
+          <a:prstGeom prst="rightArrow">
+            <a:avLst/>
+          </a:prstGeom>
+          <a:solidFill>
+            <a:srgbClr val="7030A0"/>
+          </a:solidFill>
+        </p:spPr>
+        <p:style>
+          <a:lnRef idx="2">
+            <a:schemeClr val="accent6">
+              <a:shade val="50000"/>
+            </a:schemeClr>
+          </a:lnRef>
+          <a:fillRef idx="1">
+            <a:schemeClr val="accent6"/>
+          </a:fillRef>
+          <a:effectRef idx="0">
+            <a:schemeClr val="accent6"/>
+          </a:effectRef>
+          <a:fontRef idx="minor">
+            <a:schemeClr val="lt1"/>
+          </a:fontRef>
+        </p:style>
+        <p:txBody>
+          <a:bodyPr rtlCol="0" anchor="ctr"/>
+          <a:lstStyle/>
+          <a:p>
+            <a:pPr algn="ctr"/>
+            <a:endParaRPr lang="en-US">
+              <a:latin typeface="Arial" panose="020B0604020202020204" pitchFamily="34" charset="0"/>
+              <a:cs typeface="Arial" panose="020B0604020202020204" pitchFamily="34" charset="0"/>
+            </a:endParaRPr>
+          </a:p>
+        </p:txBody>
+      </p:sp>
+      <p:sp>
+        <p:nvSpPr>
+          <p:cNvPr id="11" name="TextBox 10"/>
+          <p:cNvSpPr txBox="1"/>
+          <p:nvPr/>
+        </p:nvSpPr>
+        <p:spPr>
+          <a:xfrm>
+            <a:off x="9330823" y="3384405"/>
+            <a:ext cx="2287806" cy="369332"/>
+          </a:xfrm>
+          <a:prstGeom prst="rect">
+            <a:avLst/>
+          </a:prstGeom>
+          <a:noFill/>
+        </p:spPr>
+        <p:txBody>
+          <a:bodyPr wrap="none" rtlCol="0">
+            <a:spAutoFit/>
+          </a:bodyPr>
+          <a:lstStyle/>
+          <a:p>
+            <a:r>
+              <a:rPr lang="en-US" dirty="0" smtClean="0">
+                <a:latin typeface="Arial" panose="020B0604020202020204" pitchFamily="34" charset="0"/>
+                <a:cs typeface="Arial" panose="020B0604020202020204" pitchFamily="34" charset="0"/>
+              </a:rPr>
+              <a:t>Retracted or update </a:t>
+            </a:r>
+            <a:endParaRPr lang="en-US" dirty="0">
+              <a:latin typeface="Arial" panose="020B0604020202020204" pitchFamily="34" charset="0"/>
+              <a:cs typeface="Arial" panose="020B0604020202020204" pitchFamily="34" charset="0"/>
+            </a:endParaRPr>
+          </a:p>
+        </p:txBody>
+      </p:sp>
+      <p:sp>
+        <p:nvSpPr>
+          <p:cNvPr id="12" name="TextBox 11"/>
+          <p:cNvSpPr txBox="1"/>
+          <p:nvPr/>
+        </p:nvSpPr>
+        <p:spPr>
+          <a:xfrm>
+            <a:off x="9296528" y="1882644"/>
+            <a:ext cx="2435282" cy="369332"/>
+          </a:xfrm>
+          <a:prstGeom prst="rect">
+            <a:avLst/>
+          </a:prstGeom>
+          <a:noFill/>
+        </p:spPr>
+        <p:txBody>
+          <a:bodyPr wrap="none" rtlCol="0">
+            <a:spAutoFit/>
+          </a:bodyPr>
+          <a:lstStyle/>
+          <a:p>
+            <a:r>
+              <a:rPr lang="en-US" dirty="0" smtClean="0">
+                <a:latin typeface="Arial" panose="020B0604020202020204" pitchFamily="34" charset="0"/>
+                <a:cs typeface="Arial" panose="020B0604020202020204" pitchFamily="34" charset="0"/>
+              </a:rPr>
+              <a:t>Retracted ~ July 2019</a:t>
+            </a:r>
+            <a:endParaRPr lang="en-US" dirty="0">
+              <a:latin typeface="Arial" panose="020B0604020202020204" pitchFamily="34" charset="0"/>
+              <a:cs typeface="Arial" panose="020B0604020202020204" pitchFamily="34" charset="0"/>
+            </a:endParaRPr>
+          </a:p>
+        </p:txBody>
+      </p:sp>
+      <p:sp>
+        <p:nvSpPr>
+          <p:cNvPr id="13" name="Right Arrow 12"/>
+          <p:cNvSpPr/>
+          <p:nvPr/>
+        </p:nvSpPr>
+        <p:spPr>
+          <a:xfrm>
+            <a:off x="8996796" y="1712561"/>
+            <a:ext cx="211110" cy="709497"/>
+          </a:xfrm>
+          <a:prstGeom prst="rightArrow">
+            <a:avLst/>
+          </a:prstGeom>
+          <a:solidFill>
+            <a:srgbClr val="7030A0"/>
+          </a:solidFill>
+        </p:spPr>
+        <p:style>
+          <a:lnRef idx="2">
+            <a:schemeClr val="accent6">
+              <a:shade val="50000"/>
+            </a:schemeClr>
+          </a:lnRef>
+          <a:fillRef idx="1">
+            <a:schemeClr val="accent6"/>
+          </a:fillRef>
+          <a:effectRef idx="0">
+            <a:schemeClr val="accent6"/>
+          </a:effectRef>
+          <a:fontRef idx="minor">
+            <a:schemeClr val="lt1"/>
+          </a:fontRef>
+        </p:style>
+        <p:txBody>
+          <a:bodyPr rtlCol="0" anchor="ctr"/>
+          <a:lstStyle/>
+          <a:p>
+            <a:pPr algn="ctr"/>
+            <a:endParaRPr lang="en-US">
+              <a:latin typeface="Arial" panose="020B0604020202020204" pitchFamily="34" charset="0"/>
+              <a:cs typeface="Arial" panose="020B0604020202020204" pitchFamily="34" charset="0"/>
+            </a:endParaRPr>
+          </a:p>
+        </p:txBody>
+      </p:sp>
+      <p:sp>
+        <p:nvSpPr>
+          <p:cNvPr id="21" name="TextBox 20"/>
+          <p:cNvSpPr txBox="1"/>
+          <p:nvPr/>
+        </p:nvSpPr>
+        <p:spPr>
+          <a:xfrm>
+            <a:off x="9257992" y="2928407"/>
+            <a:ext cx="2326342" cy="369332"/>
+          </a:xfrm>
+          <a:prstGeom prst="rect">
+            <a:avLst/>
+          </a:prstGeom>
+          <a:noFill/>
+        </p:spPr>
+        <p:txBody>
+          <a:bodyPr wrap="none" rtlCol="0">
+            <a:spAutoFit/>
+          </a:bodyPr>
+          <a:lstStyle/>
+          <a:p>
+            <a:r>
+              <a:rPr lang="en-US" dirty="0" smtClean="0">
+                <a:latin typeface="Arial" panose="020B0604020202020204" pitchFamily="34" charset="0"/>
+                <a:cs typeface="Arial" panose="020B0604020202020204" pitchFamily="34" charset="0"/>
+              </a:rPr>
+              <a:t>10</a:t>
+            </a:r>
+            <a:r>
+              <a:rPr lang="en-US" baseline="30000" dirty="0" smtClean="0">
+                <a:latin typeface="Arial" panose="020B0604020202020204" pitchFamily="34" charset="0"/>
+                <a:cs typeface="Arial" panose="020B0604020202020204" pitchFamily="34" charset="0"/>
+              </a:rPr>
+              <a:t>th</a:t>
+            </a:r>
+            <a:r>
+              <a:rPr lang="en-US" dirty="0" smtClean="0">
+                <a:latin typeface="Arial" panose="020B0604020202020204" pitchFamily="34" charset="0"/>
+                <a:cs typeface="Arial" panose="020B0604020202020204" pitchFamily="34" charset="0"/>
+              </a:rPr>
+              <a:t> December, 2019</a:t>
+            </a:r>
+            <a:endParaRPr lang="en-US" dirty="0">
+              <a:latin typeface="Arial" panose="020B0604020202020204" pitchFamily="34" charset="0"/>
+              <a:cs typeface="Arial" panose="020B0604020202020204" pitchFamily="34" charset="0"/>
+            </a:endParaRPr>
+          </a:p>
+        </p:txBody>
+      </p:sp>
+      <p:pic>
+        <p:nvPicPr>
+          <p:cNvPr id="5" name="Picture 4"/>
+          <p:cNvPicPr>
+            <a:picLocks noChangeAspect="1"/>
+          </p:cNvPicPr>
+          <p:nvPr/>
+        </p:nvPicPr>
+        <p:blipFill>
+          <a:blip r:embed="rId4"/>
+          <a:stretch>
+            <a:fillRect/>
+          </a:stretch>
+        </p:blipFill>
+        <p:spPr>
+          <a:xfrm>
+            <a:off x="341977" y="4461667"/>
+            <a:ext cx="5520951" cy="1985651"/>
+          </a:xfrm>
+          <a:prstGeom prst="rect">
+            <a:avLst/>
+          </a:prstGeom>
+        </p:spPr>
+      </p:pic>
+      <p:sp>
+        <p:nvSpPr>
+          <p:cNvPr id="10" name="Rectangle 9"/>
+          <p:cNvSpPr/>
+          <p:nvPr/>
+        </p:nvSpPr>
+        <p:spPr>
+          <a:xfrm>
+            <a:off x="5862928" y="4761994"/>
+            <a:ext cx="6251993" cy="1384995"/>
+          </a:xfrm>
+          <a:prstGeom prst="rect">
+            <a:avLst/>
+          </a:prstGeom>
+        </p:spPr>
+        <p:txBody>
+          <a:bodyPr wrap="square">
+            <a:spAutoFit/>
+          </a:bodyPr>
+          <a:lstStyle/>
+          <a:p>
+            <a:pPr algn="ctr"/>
+            <a:r>
+              <a:rPr lang="en-US" sz="2800" dirty="0">
+                <a:latin typeface="Arial" panose="020B0604020202020204" pitchFamily="34" charset="0"/>
+                <a:cs typeface="Arial" panose="020B0604020202020204" pitchFamily="34" charset="0"/>
+              </a:rPr>
+              <a:t>Technique quality control, negative and positive control </a:t>
+            </a:r>
+          </a:p>
+          <a:p>
+            <a:pPr algn="ctr"/>
+            <a:r>
+              <a:rPr lang="en-US" sz="2800" dirty="0">
+                <a:latin typeface="Arial" panose="020B0604020202020204" pitchFamily="34" charset="0"/>
+                <a:cs typeface="Arial" panose="020B0604020202020204" pitchFamily="34" charset="0"/>
+              </a:rPr>
+              <a:t>should be set as much as possible</a:t>
+            </a:r>
+          </a:p>
+        </p:txBody>
+      </p:sp>
+      <p:sp>
+        <p:nvSpPr>
+          <p:cNvPr id="15" name="Rectangle 14"/>
+          <p:cNvSpPr/>
+          <p:nvPr/>
+        </p:nvSpPr>
+        <p:spPr>
+          <a:xfrm>
+            <a:off x="6089910" y="4301899"/>
+            <a:ext cx="5813772" cy="307777"/>
+          </a:xfrm>
+          <a:prstGeom prst="rect">
+            <a:avLst/>
+          </a:prstGeom>
+        </p:spPr>
+        <p:txBody>
+          <a:bodyPr wrap="square">
+            <a:spAutoFit/>
+          </a:bodyPr>
+          <a:lstStyle/>
+          <a:p>
+            <a:r>
+              <a:rPr lang="en-US" sz="1400" dirty="0">
+                <a:hlinkClick r:id="rId5"/>
+              </a:rPr>
+              <a:t>https://www.biorxiv.org/content/biorxiv/early/2019/12/10/868570.full.pdf</a:t>
+            </a:r>
+            <a:endParaRPr lang="en-US" sz="1400" dirty="0"/>
+          </a:p>
+        </p:txBody>
+      </p:sp>
+    </p:spTree>
+    <p:extLst>
+      <p:ext uri="{BB962C8B-B14F-4D97-AF65-F5344CB8AC3E}">
+        <p14:creationId xmlns:p14="http://schemas.microsoft.com/office/powerpoint/2010/main" val="2866679351"/>
+      </p:ext>
+    </p:extLst>
+  </p:cSld>
+  <p:clrMapOvr>
+    <a:masterClrMapping/>
+  </p:clrMapOvr>
+</p:sld>
+</file>
+
+<file path=ppt/slides/slide14.xml><?xml version="1.0" encoding="utf-8"?>
+<p:sld xmlns:a="http://schemas.openxmlformats.org/drawingml/2006/main" xmlns:r="http://schemas.openxmlformats.org/officeDocument/2006/relationships" xmlns:p="http://schemas.openxmlformats.org/presentationml/2006/main">
+  <p:cSld>
+    <p:spTree>
+      <p:nvGrpSpPr>
+        <p:cNvPr id="1" name=""/>
+        <p:cNvGrpSpPr/>
+        <p:nvPr/>
+      </p:nvGrpSpPr>
+      <p:grpSpPr>
+        <a:xfrm>
+          <a:off x="0" y="0"/>
+          <a:ext cx="0" cy="0"/>
+          <a:chOff x="0" y="0"/>
+          <a:chExt cx="0" cy="0"/>
+        </a:xfrm>
+      </p:grpSpPr>
+      <p:sp>
+        <p:nvSpPr>
           <p:cNvPr id="2" name="Rectangle 1"/>
           <p:cNvSpPr/>
           <p:nvPr/>
@@ -6588,7 +6996,14 @@
                 <a:latin typeface="Arial" panose="020B0604020202020204" pitchFamily="34" charset="0"/>
                 <a:cs typeface="Arial" panose="020B0604020202020204" pitchFamily="34" charset="0"/>
               </a:rPr>
-              <a:t>It will suffer inflated type I error if case: control ratio &gt; 1: 99 which is common in large biobank</a:t>
+              <a:t>It will suffer inflated type I error if case: control ratio &gt; 1: 99 which is common in large </a:t>
+            </a:r>
+            <a:r>
+              <a:rPr lang="en-US" sz="2000" dirty="0" smtClean="0">
+                <a:latin typeface="Arial" panose="020B0604020202020204" pitchFamily="34" charset="0"/>
+                <a:cs typeface="Arial" panose="020B0604020202020204" pitchFamily="34" charset="0"/>
+              </a:rPr>
+              <a:t>biobank</a:t>
             </a:r>
           </a:p>
           <a:p>
@@ -6600,8 +7015,22 @@
                 <a:latin typeface="Arial" panose="020B0604020202020204" pitchFamily="34" charset="0"/>
                 <a:cs typeface="Arial" panose="020B0604020202020204" pitchFamily="34" charset="0"/>
               </a:rPr>
-              <a:t>Imputation accuracy for rare variants will be very low</a:t>
-            </a:r>
+              <a:t>Phenotyping accuracy is one of the concerns: ICD10 =&gt; </a:t>
+            </a:r>
+            <a:r>
+              <a:rPr lang="en-US" sz="2000" dirty="0" err="1" smtClean="0">
+                <a:latin typeface="Arial" panose="020B0604020202020204" pitchFamily="34" charset="0"/>
+                <a:cs typeface="Arial" panose="020B0604020202020204" pitchFamily="34" charset="0"/>
+              </a:rPr>
+              <a:t>PheCode</a:t>
+            </a:r>
+            <a:endParaRPr lang="en-US" sz="2000" b="1" dirty="0" smtClean="0">
+              <a:solidFill>
+                <a:srgbClr val="FF0000"/>
+              </a:solidFill>
+              <a:latin typeface="Arial" panose="020B0604020202020204" pitchFamily="34" charset="0"/>
+              <a:cs typeface="Arial" panose="020B0604020202020204" pitchFamily="34" charset="0"/>
+            </a:endParaRPr>
           </a:p>
           <a:p>
             <a:pPr marL="0" indent="0">
@@ -6637,84 +7066,6 @@
             <a:endParaRPr lang="en-US" sz="2000" dirty="0" smtClean="0">
               <a:latin typeface="Arial" panose="020B0604020202020204" pitchFamily="34" charset="0"/>
               <a:cs typeface="Arial" panose="020B0604020202020204" pitchFamily="34" charset="0"/>
-            </a:endParaRPr>
-          </a:p>
-        </p:txBody>
-      </p:sp>
-      <p:cxnSp>
-        <p:nvCxnSpPr>
-          <p:cNvPr id="8" name="Straight Arrow Connector 7"/>
-          <p:cNvCxnSpPr/>
-          <p:nvPr/>
-        </p:nvCxnSpPr>
-        <p:spPr>
-          <a:xfrm flipH="1" flipV="1">
-            <a:off x="6629401" y="4284232"/>
-            <a:ext cx="346352" cy="99074"/>
-          </a:xfrm>
-          <a:prstGeom prst="straightConnector1">
-            <a:avLst/>
-          </a:prstGeom>
-          <a:ln w="57150">
-            <a:solidFill>
-              <a:schemeClr val="accent4">
-                <a:lumMod val="50000"/>
-              </a:schemeClr>
-            </a:solidFill>
-            <a:tailEnd type="triangle"/>
-          </a:ln>
-        </p:spPr>
-        <p:style>
-          <a:lnRef idx="1">
-            <a:schemeClr val="accent1"/>
-          </a:lnRef>
-          <a:fillRef idx="0">
-            <a:schemeClr val="accent1"/>
-          </a:fillRef>
-          <a:effectRef idx="0">
-            <a:schemeClr val="accent1"/>
-          </a:effectRef>
-          <a:fontRef idx="minor">
-            <a:schemeClr val="tx1"/>
-          </a:fontRef>
-        </p:style>
-      </p:cxnSp>
-      <p:sp>
-        <p:nvSpPr>
-          <p:cNvPr id="13" name="Rectangle 12"/>
-          <p:cNvSpPr/>
-          <p:nvPr/>
-        </p:nvSpPr>
-        <p:spPr>
-          <a:xfrm>
-            <a:off x="5721472" y="4198640"/>
-            <a:ext cx="4366059" cy="369332"/>
-          </a:xfrm>
-          <a:prstGeom prst="rect">
-            <a:avLst/>
-          </a:prstGeom>
-        </p:spPr>
-        <p:txBody>
-          <a:bodyPr wrap="square">
-            <a:spAutoFit/>
-          </a:bodyPr>
-          <a:lstStyle/>
-          <a:p>
-            <a:pPr algn="r"/>
-            <a:r>
-              <a:rPr lang="en-US" b="1" dirty="0" smtClean="0">
-                <a:solidFill>
-                  <a:srgbClr val="7030A0"/>
-                </a:solidFill>
-                <a:latin typeface="Helvetica W01 Roman"/>
-              </a:rPr>
-              <a:t>Genome-wide sequencing</a:t>
-            </a:r>
-            <a:endParaRPr lang="en-US" b="1" dirty="0">
-              <a:solidFill>
-                <a:srgbClr val="7030A0"/>
-              </a:solidFill>
-              <a:latin typeface="Helvetica W01 Roman"/>
             </a:endParaRPr>
           </a:p>
         </p:txBody>
@@ -7333,7 +7684,7 @@
 </p:sld>
 </file>
 
-<file path=ppt/slides/slide14.xml><?xml version="1.0" encoding="utf-8"?>
+<file path=ppt/slides/slide15.xml><?xml version="1.0" encoding="utf-8"?>
 <p:sld xmlns:a="http://schemas.openxmlformats.org/drawingml/2006/main" xmlns:r="http://schemas.openxmlformats.org/officeDocument/2006/relationships" xmlns:p="http://schemas.openxmlformats.org/presentationml/2006/main">
   <p:cSld>
     <p:spTree>
@@ -7407,7 +7758,7 @@
 </p:sld>
 </file>
 
-<file path=ppt/slides/slide15.xml><?xml version="1.0" encoding="utf-8"?>
+<file path=ppt/slides/slide16.xml><?xml version="1.0" encoding="utf-8"?>
 <p:sld xmlns:a="http://schemas.openxmlformats.org/drawingml/2006/main" xmlns:r="http://schemas.openxmlformats.org/officeDocument/2006/relationships" xmlns:p="http://schemas.openxmlformats.org/presentationml/2006/main">
   <p:cSld>
     <p:spTree>

--- a/tutorials/2020/Robust-SKAT-Shicheng-Guo-2020-P-MCRI.pptx
+++ b/tutorials/2020/Robust-SKAT-Shicheng-Guo-2020-P-MCRI.pptx
@@ -5653,10 +5653,6 @@
               </a:rPr>
               <a:t>to Multiple Sclerosis</a:t>
             </a:r>
-            <a:endParaRPr lang="en-US" sz="3200" b="1" dirty="0">
-              <a:latin typeface="Arial" panose="020B0604020202020204" pitchFamily="34" charset="0"/>
-              <a:cs typeface="Arial" panose="020B0604020202020204" pitchFamily="34" charset="0"/>
-            </a:endParaRPr>
           </a:p>
         </p:txBody>
       </p:sp>
@@ -5957,10 +5953,6 @@
               </a:rPr>
               <a:t>genes. May be required for replication-independent chromatin assembly</a:t>
             </a:r>
-            <a:endParaRPr lang="en-US" sz="1900" b="1" dirty="0">
-              <a:latin typeface="Arial" panose="020B0604020202020204" pitchFamily="34" charset="0"/>
-              <a:cs typeface="Arial" panose="020B0604020202020204" pitchFamily="34" charset="0"/>
-            </a:endParaRPr>
           </a:p>
         </p:txBody>
       </p:sp>
@@ -6996,14 +6988,7 @@
                 <a:latin typeface="Arial" panose="020B0604020202020204" pitchFamily="34" charset="0"/>
                 <a:cs typeface="Arial" panose="020B0604020202020204" pitchFamily="34" charset="0"/>
               </a:rPr>
-              <a:t>It will suffer inflated type I error if case: control ratio &gt; 1: 99 which is common in large </a:t>
-            </a:r>
-            <a:r>
-              <a:rPr lang="en-US" sz="2000" dirty="0" smtClean="0">
-                <a:latin typeface="Arial" panose="020B0604020202020204" pitchFamily="34" charset="0"/>
-                <a:cs typeface="Arial" panose="020B0604020202020204" pitchFamily="34" charset="0"/>
-              </a:rPr>
-              <a:t>biobank</a:t>
+              <a:t>It will suffer inflated type I error if case: control ratio &gt; 1: 99 which is common in large biobank</a:t>
             </a:r>
           </a:p>
           <a:p>
@@ -10977,6 +10962,13 @@
   <p:clrMapOvr>
     <a:masterClrMapping/>
   </p:clrMapOvr>
+  <p:timing>
+    <p:tnLst>
+      <p:par>
+        <p:cTn id="1" dur="indefinite" restart="never" nodeType="tmRoot"/>
+      </p:par>
+    </p:tnLst>
+  </p:timing>
 </p:sld>
 </file>
 
@@ -11502,7 +11494,7 @@
           <p:spPr>
             <a:xfrm>
               <a:off x="6123886" y="1224600"/>
-              <a:ext cx="4033279" cy="1053690"/>
+              <a:ext cx="4033279" cy="1381504"/>
             </a:xfrm>
             <a:prstGeom prst="rect">
               <a:avLst/>
@@ -11584,8 +11576,35 @@
                     <a:srgbClr val="7030A0"/>
                   </a:solidFill>
                 </a:rPr>
-                <a:t>1K, 2K and 3K genomic regions</a:t>
+                <a:t>1K, 2K and 3K genomic </a:t>
               </a:r>
+              <a:r>
+                <a:rPr lang="en-US" sz="2800" b="1" dirty="0" smtClean="0">
+                  <a:solidFill>
+                    <a:srgbClr val="7030A0"/>
+                  </a:solidFill>
+                </a:rPr>
+                <a:t>regions</a:t>
+              </a:r>
+            </a:p>
+            <a:p>
+              <a:pPr marL="285750" indent="-285750">
+                <a:buFont typeface="Wingdings" panose="05000000000000000000" pitchFamily="2" charset="2"/>
+                <a:buChar char="Ø"/>
+              </a:pPr>
+              <a:r>
+                <a:rPr lang="en-US" sz="2800" b="1" dirty="0" smtClean="0">
+                  <a:solidFill>
+                    <a:srgbClr val="7030A0"/>
+                  </a:solidFill>
+                </a:rPr>
+                <a:t>Alternative: 3-8-2 / 3-1-0 rule</a:t>
+              </a:r>
+              <a:endParaRPr lang="en-US" sz="2800" b="1" dirty="0" smtClean="0">
+                <a:solidFill>
+                  <a:srgbClr val="7030A0"/>
+                </a:solidFill>
+              </a:endParaRPr>
             </a:p>
           </p:txBody>
         </p:sp>
@@ -11636,6 +11655,13 @@
   <p:clrMapOvr>
     <a:masterClrMapping/>
   </p:clrMapOvr>
+  <p:timing>
+    <p:tnLst>
+      <p:par>
+        <p:cTn id="1" dur="indefinite" restart="never" nodeType="tmRoot"/>
+      </p:par>
+    </p:tnLst>
+  </p:timing>
 </p:sld>
 </file>
 
@@ -11946,6 +11972,13 @@
   <p:clrMapOvr>
     <a:masterClrMapping/>
   </p:clrMapOvr>
+  <p:timing>
+    <p:tnLst>
+      <p:par>
+        <p:cTn id="1" dur="indefinite" restart="never" nodeType="tmRoot"/>
+      </p:par>
+    </p:tnLst>
+  </p:timing>
 </p:sld>
 </file>
 

--- a/tutorials/2020/Robust-SKAT-Shicheng-Guo-2020-P-MCRI.pptx
+++ b/tutorials/2020/Robust-SKAT-Shicheng-Guo-2020-P-MCRI.pptx
@@ -11645,6 +11645,142 @@
           </a:fontRef>
         </p:style>
       </p:cxnSp>
+      <p:sp>
+        <p:nvSpPr>
+          <p:cNvPr id="19" name="TextBox 18"/>
+          <p:cNvSpPr txBox="1"/>
+          <p:nvPr/>
+        </p:nvSpPr>
+        <p:spPr>
+          <a:xfrm>
+            <a:off x="4349459" y="2898767"/>
+            <a:ext cx="2563266" cy="338554"/>
+          </a:xfrm>
+          <a:prstGeom prst="rect">
+            <a:avLst/>
+          </a:prstGeom>
+          <a:noFill/>
+        </p:spPr>
+        <p:txBody>
+          <a:bodyPr wrap="none" rtlCol="0">
+            <a:spAutoFit/>
+          </a:bodyPr>
+          <a:lstStyle/>
+          <a:p>
+            <a:r>
+              <a:rPr lang="en-US" sz="1600" b="1" dirty="0">
+                <a:solidFill>
+                  <a:schemeClr val="accent6">
+                    <a:lumMod val="50000"/>
+                  </a:schemeClr>
+                </a:solidFill>
+              </a:rPr>
+              <a:t>c</a:t>
+            </a:r>
+            <a:r>
+              <a:rPr lang="en-US" sz="1600" b="1" dirty="0" smtClean="0">
+                <a:solidFill>
+                  <a:schemeClr val="accent6">
+                    <a:lumMod val="50000"/>
+                  </a:schemeClr>
+                </a:solidFill>
+              </a:rPr>
+              <a:t>alibrated coalescent model</a:t>
+            </a:r>
+            <a:endParaRPr lang="en-US" sz="1600" b="1" dirty="0">
+              <a:solidFill>
+                <a:schemeClr val="accent6">
+                  <a:lumMod val="50000"/>
+                </a:schemeClr>
+              </a:solidFill>
+            </a:endParaRPr>
+          </a:p>
+        </p:txBody>
+      </p:sp>
+      <p:sp>
+        <p:nvSpPr>
+          <p:cNvPr id="25" name="TextBox 24"/>
+          <p:cNvSpPr txBox="1"/>
+          <p:nvPr/>
+        </p:nvSpPr>
+        <p:spPr>
+          <a:xfrm>
+            <a:off x="1850710" y="2893023"/>
+            <a:ext cx="821059" cy="338554"/>
+          </a:xfrm>
+          <a:prstGeom prst="rect">
+            <a:avLst/>
+          </a:prstGeom>
+          <a:noFill/>
+        </p:spPr>
+        <p:txBody>
+          <a:bodyPr wrap="none" rtlCol="0">
+            <a:spAutoFit/>
+          </a:bodyPr>
+          <a:lstStyle/>
+          <a:p>
+            <a:r>
+              <a:rPr lang="en-US" sz="1600" b="1" dirty="0" smtClean="0">
+                <a:solidFill>
+                  <a:schemeClr val="accent6">
+                    <a:lumMod val="50000"/>
+                  </a:schemeClr>
+                </a:solidFill>
+              </a:rPr>
+              <a:t>Normal</a:t>
+            </a:r>
+            <a:endParaRPr lang="en-US" sz="1600" b="1" dirty="0">
+              <a:solidFill>
+                <a:schemeClr val="accent6">
+                  <a:lumMod val="50000"/>
+                </a:schemeClr>
+              </a:solidFill>
+            </a:endParaRPr>
+          </a:p>
+        </p:txBody>
+      </p:sp>
+      <p:sp>
+        <p:nvSpPr>
+          <p:cNvPr id="27" name="TextBox 26"/>
+          <p:cNvSpPr txBox="1"/>
+          <p:nvPr/>
+        </p:nvSpPr>
+        <p:spPr>
+          <a:xfrm>
+            <a:off x="3161746" y="2886307"/>
+            <a:ext cx="957313" cy="338554"/>
+          </a:xfrm>
+          <a:prstGeom prst="rect">
+            <a:avLst/>
+          </a:prstGeom>
+          <a:noFill/>
+        </p:spPr>
+        <p:txBody>
+          <a:bodyPr wrap="none" rtlCol="0">
+            <a:spAutoFit/>
+          </a:bodyPr>
+          <a:lstStyle/>
+          <a:p>
+            <a:r>
+              <a:rPr lang="en-US" sz="1600" b="1" dirty="0" smtClean="0">
+                <a:solidFill>
+                  <a:schemeClr val="accent6">
+                    <a:lumMod val="50000"/>
+                  </a:schemeClr>
+                </a:solidFill>
+              </a:rPr>
+              <a:t>Bernoulli</a:t>
+            </a:r>
+            <a:endParaRPr lang="en-US" sz="1600" b="1" dirty="0">
+              <a:solidFill>
+                <a:schemeClr val="accent6">
+                  <a:lumMod val="50000"/>
+                </a:schemeClr>
+              </a:solidFill>
+            </a:endParaRPr>
+          </a:p>
+        </p:txBody>
+      </p:sp>
     </p:spTree>
     <p:extLst>
       <p:ext uri="{BB962C8B-B14F-4D97-AF65-F5344CB8AC3E}">
